--- a/week 6/Slides/06-3 EMAT10007_Command_Line.pptx
+++ b/week 6/Slides/06-3 EMAT10007_Command_Line.pptx
@@ -205,7 +205,7 @@
           <a:p>
             <a:fld id="{7BDB61BD-102F-1846-9A46-8D88871F547A}" type="datetimeFigureOut">
               <a:rPr lang="en-US" smtClean="0"/>
-              <a:t>9/16/20</a:t>
+              <a:t>12/29/20</a:t>
             </a:fld>
             <a:endParaRPr lang="en-US"/>
           </a:p>
@@ -1051,7 +1051,7 @@
           <a:p>
             <a:fld id="{54FF0283-3405-0C49-9DF2-C2137628C46D}" type="datetimeFigureOut">
               <a:rPr lang="en-US" smtClean="0"/>
-              <a:t>9/16/20</a:t>
+              <a:t>12/29/20</a:t>
             </a:fld>
             <a:endParaRPr lang="en-US"/>
           </a:p>
@@ -1221,7 +1221,7 @@
           <a:p>
             <a:fld id="{54FF0283-3405-0C49-9DF2-C2137628C46D}" type="datetimeFigureOut">
               <a:rPr lang="en-US" smtClean="0"/>
-              <a:t>9/16/20</a:t>
+              <a:t>12/29/20</a:t>
             </a:fld>
             <a:endParaRPr lang="en-US"/>
           </a:p>
@@ -1401,7 +1401,7 @@
           <a:p>
             <a:fld id="{54FF0283-3405-0C49-9DF2-C2137628C46D}" type="datetimeFigureOut">
               <a:rPr lang="en-US" smtClean="0"/>
-              <a:t>9/16/20</a:t>
+              <a:t>12/29/20</a:t>
             </a:fld>
             <a:endParaRPr lang="en-US"/>
           </a:p>
@@ -1571,7 +1571,7 @@
           <a:p>
             <a:fld id="{54FF0283-3405-0C49-9DF2-C2137628C46D}" type="datetimeFigureOut">
               <a:rPr lang="en-US" smtClean="0"/>
-              <a:t>9/16/20</a:t>
+              <a:t>12/29/20</a:t>
             </a:fld>
             <a:endParaRPr lang="en-US"/>
           </a:p>
@@ -1817,7 +1817,7 @@
           <a:p>
             <a:fld id="{54FF0283-3405-0C49-9DF2-C2137628C46D}" type="datetimeFigureOut">
               <a:rPr lang="en-US" smtClean="0"/>
-              <a:t>9/16/20</a:t>
+              <a:t>12/29/20</a:t>
             </a:fld>
             <a:endParaRPr lang="en-US"/>
           </a:p>
@@ -2049,7 +2049,7 @@
           <a:p>
             <a:fld id="{54FF0283-3405-0C49-9DF2-C2137628C46D}" type="datetimeFigureOut">
               <a:rPr lang="en-US" smtClean="0"/>
-              <a:t>9/16/20</a:t>
+              <a:t>12/29/20</a:t>
             </a:fld>
             <a:endParaRPr lang="en-US"/>
           </a:p>
@@ -2416,7 +2416,7 @@
           <a:p>
             <a:fld id="{54FF0283-3405-0C49-9DF2-C2137628C46D}" type="datetimeFigureOut">
               <a:rPr lang="en-US" smtClean="0"/>
-              <a:t>9/16/20</a:t>
+              <a:t>12/29/20</a:t>
             </a:fld>
             <a:endParaRPr lang="en-US"/>
           </a:p>
@@ -2534,7 +2534,7 @@
           <a:p>
             <a:fld id="{54FF0283-3405-0C49-9DF2-C2137628C46D}" type="datetimeFigureOut">
               <a:rPr lang="en-US" smtClean="0"/>
-              <a:t>9/16/20</a:t>
+              <a:t>12/29/20</a:t>
             </a:fld>
             <a:endParaRPr lang="en-US"/>
           </a:p>
@@ -2629,7 +2629,7 @@
           <a:p>
             <a:fld id="{54FF0283-3405-0C49-9DF2-C2137628C46D}" type="datetimeFigureOut">
               <a:rPr lang="en-US" smtClean="0"/>
-              <a:t>9/16/20</a:t>
+              <a:t>12/29/20</a:t>
             </a:fld>
             <a:endParaRPr lang="en-US"/>
           </a:p>
@@ -2906,7 +2906,7 @@
           <a:p>
             <a:fld id="{54FF0283-3405-0C49-9DF2-C2137628C46D}" type="datetimeFigureOut">
               <a:rPr lang="en-US" smtClean="0"/>
-              <a:t>9/16/20</a:t>
+              <a:t>12/29/20</a:t>
             </a:fld>
             <a:endParaRPr lang="en-US"/>
           </a:p>
@@ -3159,7 +3159,7 @@
           <a:p>
             <a:fld id="{54FF0283-3405-0C49-9DF2-C2137628C46D}" type="datetimeFigureOut">
               <a:rPr lang="en-US" smtClean="0"/>
-              <a:t>9/16/20</a:t>
+              <a:t>12/29/20</a:t>
             </a:fld>
             <a:endParaRPr lang="en-US"/>
           </a:p>
@@ -3372,7 +3372,7 @@
           <a:p>
             <a:fld id="{54FF0283-3405-0C49-9DF2-C2137628C46D}" type="datetimeFigureOut">
               <a:rPr lang="en-US" smtClean="0"/>
-              <a:t>9/16/20</a:t>
+              <a:t>12/29/20</a:t>
             </a:fld>
             <a:endParaRPr lang="en-US"/>
           </a:p>
@@ -4568,11 +4568,11 @@
   <p:clrMapOvr>
     <a:masterClrMapping/>
   </p:clrMapOvr>
-  <mc:AlternateContent xmlns:mc="http://schemas.openxmlformats.org/markup-compatibility/2006">
-    <mc:Choice xmlns:p14="http://schemas.microsoft.com/office/powerpoint/2010/main" Requires="p14">
+  <mc:AlternateContent xmlns:mc="http://schemas.openxmlformats.org/markup-compatibility/2006" xmlns:p14="http://schemas.microsoft.com/office/powerpoint/2010/main">
+    <mc:Choice Requires="p14">
       <p:transition spd="slow" p14:dur="2000"/>
     </mc:Choice>
-    <mc:Fallback>
+    <mc:Fallback xmlns="">
       <p:transition spd="slow"/>
     </mc:Fallback>
   </mc:AlternateContent>
@@ -6192,11 +6192,7 @@
             </a:pPr>
             <a:r>
               <a:rPr lang="en-US" sz="2000" dirty="0" smtClean="0"/>
-              <a:t>environment </a:t>
-            </a:r>
-            <a:r>
-              <a:rPr lang="en-US" sz="2000" dirty="0" smtClean="0"/>
-              <a:t>variable </a:t>
+              <a:t>environment variable </a:t>
             </a:r>
             <a:r>
               <a:rPr lang="en-US" sz="2000" dirty="0"/>
@@ -6454,11 +6450,11 @@
   <p:clrMapOvr>
     <a:masterClrMapping/>
   </p:clrMapOvr>
-  <mc:AlternateContent xmlns:mc="http://schemas.openxmlformats.org/markup-compatibility/2006">
-    <mc:Choice xmlns:p14="http://schemas.microsoft.com/office/powerpoint/2010/main" Requires="p14">
+  <mc:AlternateContent xmlns:mc="http://schemas.openxmlformats.org/markup-compatibility/2006" xmlns:p14="http://schemas.microsoft.com/office/powerpoint/2010/main">
+    <mc:Choice Requires="p14">
       <p:transition spd="slow" p14:dur="2000"/>
     </mc:Choice>
-    <mc:Fallback>
+    <mc:Fallback xmlns="">
       <p:transition spd="slow"/>
     </mc:Fallback>
   </mc:AlternateContent>
@@ -6593,7 +6589,6 @@
               <a:rPr lang="en-US" sz="2000" dirty="0" smtClean="0"/>
               <a:t>Changes to PYTHONPATH are permanent </a:t>
             </a:r>
-            <a:endParaRPr lang="en-US" sz="2000" dirty="0" smtClean="0"/>
           </a:p>
           <a:p>
             <a:endParaRPr lang="en-US" sz="2000" dirty="0" smtClean="0"/>
@@ -6609,17 +6604,8 @@
             </a:r>
             <a:r>
               <a:rPr lang="en-US" sz="2000" dirty="0" smtClean="0"/>
-              <a:t> (Lecture 06-2) last </a:t>
-            </a:r>
-            <a:r>
-              <a:rPr lang="en-US" sz="2000" dirty="0" smtClean="0"/>
-              <a:t>for program </a:t>
-            </a:r>
-            <a:r>
-              <a:rPr lang="en-US" sz="2000" dirty="0" smtClean="0"/>
-              <a:t>runtime </a:t>
-            </a:r>
-            <a:endParaRPr lang="en-US" sz="2000" dirty="0" smtClean="0"/>
+              <a:t> (Lecture 06-2) last for program runtime </a:t>
+            </a:r>
           </a:p>
         </p:txBody>
       </p:sp>
@@ -6632,7 +6618,7 @@
         <p:spPr>
           <a:xfrm>
             <a:off x="1018484" y="3273252"/>
-            <a:ext cx="10676210" cy="3139321"/>
+            <a:ext cx="10676210" cy="2585323"/>
           </a:xfrm>
           <a:prstGeom prst="rect">
             <a:avLst/>
@@ -6790,67 +6776,6 @@
                 <a:ea typeface="Courier" charset="0"/>
                 <a:cs typeface="Courier" charset="0"/>
               </a:rPr>
-              <a:t>export PYTHONPATH= ”$PYTHONPATH:/ Users/Hemma/Desktop/folder/</a:t>
-            </a:r>
-            <a:r>
-              <a:rPr lang="en-US" dirty="0" err="1">
-                <a:latin typeface="Courier" charset="0"/>
-                <a:ea typeface="Courier" charset="0"/>
-                <a:cs typeface="Courier" charset="0"/>
-              </a:rPr>
-              <a:t>sub_folder</a:t>
-            </a:r>
-            <a:r>
-              <a:rPr lang="en-US" dirty="0" smtClean="0">
-                <a:latin typeface="Courier" charset="0"/>
-                <a:ea typeface="Courier" charset="0"/>
-                <a:cs typeface="Courier" charset="0"/>
-              </a:rPr>
-              <a:t>”</a:t>
-            </a:r>
-          </a:p>
-          <a:p>
-            <a:endParaRPr lang="en-US" dirty="0">
-              <a:latin typeface="Courier" charset="0"/>
-              <a:ea typeface="Courier" charset="0"/>
-              <a:cs typeface="Courier" charset="0"/>
-            </a:endParaRPr>
-          </a:p>
-          <a:p>
-            <a:endParaRPr lang="en-US" u="sng" dirty="0">
-              <a:solidFill>
-                <a:srgbClr val="000000"/>
-              </a:solidFill>
-              <a:ea typeface="Courier" charset="0"/>
-              <a:cs typeface="Courier" charset="0"/>
-            </a:endParaRPr>
-          </a:p>
-          <a:p>
-            <a:r>
-              <a:rPr lang="en-US" u="sng" dirty="0" smtClean="0">
-                <a:solidFill>
-                  <a:srgbClr val="000000"/>
-                </a:solidFill>
-                <a:ea typeface="Courier" charset="0"/>
-                <a:cs typeface="Courier" charset="0"/>
-              </a:rPr>
-              <a:t>Linux</a:t>
-            </a:r>
-            <a:endParaRPr lang="en-US" u="sng" dirty="0">
-              <a:solidFill>
-                <a:srgbClr val="000000"/>
-              </a:solidFill>
-              <a:ea typeface="Courier" charset="0"/>
-              <a:cs typeface="Courier" charset="0"/>
-            </a:endParaRPr>
-          </a:p>
-          <a:p>
-            <a:r>
-              <a:rPr lang="en-US" dirty="0">
-                <a:latin typeface="Courier" charset="0"/>
-                <a:ea typeface="Courier" charset="0"/>
-                <a:cs typeface="Courier" charset="0"/>
-              </a:rPr>
               <a:t>export PYTHONPATH= </a:t>
             </a:r>
             <a:r>
@@ -6885,8 +6810,24 @@
               </a:rPr>
               <a:t>sub_folder</a:t>
             </a:r>
+            <a:endParaRPr lang="en-US" dirty="0" smtClean="0">
+              <a:latin typeface="Courier" charset="0"/>
+              <a:ea typeface="Courier" charset="0"/>
+              <a:cs typeface="Courier" charset="0"/>
+            </a:endParaRPr>
+          </a:p>
+          <a:p>
             <a:endParaRPr lang="en-US" dirty="0">
               <a:latin typeface="Courier" charset="0"/>
+              <a:ea typeface="Courier" charset="0"/>
+              <a:cs typeface="Courier" charset="0"/>
+            </a:endParaRPr>
+          </a:p>
+          <a:p>
+            <a:endParaRPr lang="en-US" u="sng" dirty="0">
+              <a:solidFill>
+                <a:srgbClr val="000000"/>
+              </a:solidFill>
               <a:ea typeface="Courier" charset="0"/>
               <a:cs typeface="Courier" charset="0"/>
             </a:endParaRPr>
@@ -7333,6 +7274,63 @@
           </a:p>
         </p:txBody>
       </p:sp>
+      <p:sp>
+        <p:nvSpPr>
+          <p:cNvPr id="2" name="Rectangle 1"/>
+          <p:cNvSpPr/>
+          <p:nvPr/>
+        </p:nvSpPr>
+        <p:spPr>
+          <a:xfrm>
+            <a:off x="1018484" y="7187843"/>
+            <a:ext cx="11779935" cy="646331"/>
+          </a:xfrm>
+          <a:prstGeom prst="rect">
+            <a:avLst/>
+          </a:prstGeom>
+        </p:spPr>
+        <p:txBody>
+          <a:bodyPr wrap="square">
+            <a:spAutoFit/>
+          </a:bodyPr>
+          <a:lstStyle/>
+          <a:p>
+            <a:r>
+              <a:rPr lang="en-US" u="sng" dirty="0">
+                <a:solidFill>
+                  <a:srgbClr val="000000"/>
+                </a:solidFill>
+                <a:ea typeface="Courier" charset="0"/>
+                <a:cs typeface="Courier" charset="0"/>
+              </a:rPr>
+              <a:t>Linux</a:t>
+            </a:r>
+          </a:p>
+          <a:p>
+            <a:r>
+              <a:rPr lang="en-US" dirty="0">
+                <a:latin typeface="Courier" charset="0"/>
+                <a:ea typeface="Courier" charset="0"/>
+                <a:cs typeface="Courier" charset="0"/>
+              </a:rPr>
+              <a:t>export PYTHONPATH= $PYTHONPATH:/ Users/Hemma/Desktop/folder/</a:t>
+            </a:r>
+            <a:r>
+              <a:rPr lang="en-US" dirty="0" err="1">
+                <a:latin typeface="Courier" charset="0"/>
+                <a:ea typeface="Courier" charset="0"/>
+                <a:cs typeface="Courier" charset="0"/>
+              </a:rPr>
+              <a:t>sub_folder</a:t>
+            </a:r>
+            <a:endParaRPr lang="en-US" dirty="0">
+              <a:latin typeface="Courier" charset="0"/>
+              <a:ea typeface="Courier" charset="0"/>
+              <a:cs typeface="Courier" charset="0"/>
+            </a:endParaRPr>
+          </a:p>
+        </p:txBody>
+      </p:sp>
     </p:spTree>
     <p:extLst>
       <p:ext uri="{BB962C8B-B14F-4D97-AF65-F5344CB8AC3E}">
@@ -7343,11 +7341,11 @@
   <p:clrMapOvr>
     <a:masterClrMapping/>
   </p:clrMapOvr>
-  <mc:AlternateContent xmlns:mc="http://schemas.openxmlformats.org/markup-compatibility/2006">
-    <mc:Choice xmlns:p14="http://schemas.microsoft.com/office/powerpoint/2010/main" Requires="p14">
+  <mc:AlternateContent xmlns:mc="http://schemas.openxmlformats.org/markup-compatibility/2006" xmlns:p14="http://schemas.microsoft.com/office/powerpoint/2010/main">
+    <mc:Choice Requires="p14">
       <p:transition spd="slow" p14:dur="2000"/>
     </mc:Choice>
-    <mc:Fallback>
+    <mc:Fallback xmlns="">
       <p:transition spd="slow"/>
     </mc:Fallback>
   </mc:AlternateContent>
@@ -7570,11 +7568,11 @@
   <p:clrMapOvr>
     <a:masterClrMapping/>
   </p:clrMapOvr>
-  <mc:AlternateContent xmlns:mc="http://schemas.openxmlformats.org/markup-compatibility/2006">
-    <mc:Choice xmlns:p14="http://schemas.microsoft.com/office/powerpoint/2010/main" Requires="p14">
+  <mc:AlternateContent xmlns:mc="http://schemas.openxmlformats.org/markup-compatibility/2006" xmlns:p14="http://schemas.microsoft.com/office/powerpoint/2010/main">
+    <mc:Choice Requires="p14">
       <p:transition spd="slow" p14:dur="2000"/>
     </mc:Choice>
-    <mc:Fallback>
+    <mc:Fallback xmlns="">
       <p:transition spd="slow"/>
     </mc:Fallback>
   </mc:AlternateContent>
